--- a/jieun/project3/PPT/캡쳐_jieun.pptx
+++ b/jieun/project3/PPT/캡쳐_jieun.pptx
@@ -3213,9 +3213,49 @@
           </a:p>
         </p:txBody>
       </p:sp>
+      <p:sp>
+        <p:nvSpPr>
+          <p:cNvPr id="8" name="직사각형 7"/>
+          <p:cNvSpPr/>
+          <p:nvPr/>
+        </p:nvSpPr>
+        <p:spPr>
+          <a:xfrm>
+            <a:off x="386428" y="243763"/>
+            <a:ext cx="2714100" cy="369332"/>
+          </a:xfrm>
+          <a:prstGeom prst="rect">
+            <a:avLst/>
+          </a:prstGeom>
+        </p:spPr>
+        <p:txBody>
+          <a:bodyPr wrap="none">
+            <a:spAutoFit/>
+          </a:bodyPr>
+          <a:lstStyle/>
+          <a:p>
+            <a:pPr lvl="0">
+              <a:defRPr/>
+            </a:pPr>
+            <a:r>
+              <a:rPr lang="en-US" altLang="ko-KR"/>
+              <a:t>main</a:t>
+            </a:r>
+            <a:r>
+              <a:rPr lang="ko-KR" altLang="en-US"/>
+              <a:t>.js</a:t>
+            </a:r>
+            <a:r>
+              <a:rPr lang="en-US" altLang="ko-KR"/>
+              <a:t> &amp;&amp; loginMain.js</a:t>
+            </a:r>
+            <a:endParaRPr lang="en-US" altLang="ko-KR"/>
+          </a:p>
+        </p:txBody>
+      </p:sp>
       <p:pic>
         <p:nvPicPr>
-          <p:cNvPr id="7" name="그림 6"/>
+          <p:cNvPr id="9" name="그림 8"/>
           <p:cNvPicPr>
             <a:picLocks noChangeAspect="1"/>
           </p:cNvPicPr>
@@ -3229,54 +3269,14 @@
         </p:blipFill>
         <p:spPr>
           <a:xfrm>
-            <a:off x="377704" y="886813"/>
-            <a:ext cx="4972050" cy="4976812"/>
+            <a:off x="466154" y="807243"/>
+            <a:ext cx="4843462" cy="5243512"/>
           </a:xfrm>
           <a:prstGeom prst="rect">
             <a:avLst/>
           </a:prstGeom>
         </p:spPr>
       </p:pic>
-      <p:sp>
-        <p:nvSpPr>
-          <p:cNvPr id="8" name="직사각형 7"/>
-          <p:cNvSpPr/>
-          <p:nvPr/>
-        </p:nvSpPr>
-        <p:spPr>
-          <a:xfrm>
-            <a:off x="386428" y="243763"/>
-            <a:ext cx="2714100" cy="369332"/>
-          </a:xfrm>
-          <a:prstGeom prst="rect">
-            <a:avLst/>
-          </a:prstGeom>
-        </p:spPr>
-        <p:txBody>
-          <a:bodyPr wrap="none">
-            <a:spAutoFit/>
-          </a:bodyPr>
-          <a:lstStyle/>
-          <a:p>
-            <a:pPr lvl="0">
-              <a:defRPr/>
-            </a:pPr>
-            <a:r>
-              <a:rPr lang="en-US" altLang="ko-KR"/>
-              <a:t>main</a:t>
-            </a:r>
-            <a:r>
-              <a:rPr lang="ko-KR" altLang="en-US"/>
-              <a:t>.js</a:t>
-            </a:r>
-            <a:r>
-              <a:rPr lang="en-US" altLang="ko-KR"/>
-              <a:t> &amp;&amp; loginMain.js</a:t>
-            </a:r>
-            <a:endParaRPr lang="en-US" altLang="ko-KR"/>
-          </a:p>
-        </p:txBody>
-      </p:sp>
     </p:spTree>
     <p:extLst>
       <p:ext uri="{BB962C8B-B14F-4D97-AF65-F5344CB8AC3E}">
@@ -4185,7 +4185,7 @@
         <p:spPr>
           <a:xfrm>
             <a:off x="5237378" y="1783364"/>
-            <a:ext cx="5780447" cy="489836"/>
+            <a:ext cx="5780447" cy="491206"/>
           </a:xfrm>
           <a:prstGeom prst="rect">
             <a:avLst/>
@@ -4206,14 +4206,6 @@
             <a:r>
               <a:rPr lang="ko-KR" altLang="en-US" sz="1300"/>
               <a:t>로 불러온 데이터가 </a:t>
-            </a:r>
-            <a:r>
-              <a:rPr lang="en-US" altLang="ko-KR" sz="1300"/>
-              <a:t>json</a:t>
-            </a:r>
-            <a:r>
-              <a:rPr lang="ko-KR" altLang="en-US" sz="1300"/>
-              <a:t>형식이 아닌 </a:t>
             </a:r>
             <a:r>
               <a:rPr lang="en-US" altLang="ko-KR" sz="1300"/>
@@ -4313,9 +4305,140 @@
           <a:chExt cx="0" cy="0"/>
         </a:xfrm>
       </p:grpSpPr>
+      <p:sp>
+        <p:nvSpPr>
+          <p:cNvPr id="5" name="가로 글상자 4"/>
+          <p:cNvSpPr txBox="1"/>
+          <p:nvPr/>
+        </p:nvSpPr>
+        <p:spPr>
+          <a:xfrm>
+            <a:off x="8250510" y="4250763"/>
+            <a:ext cx="3856772" cy="1281357"/>
+          </a:xfrm>
+          <a:prstGeom prst="rect">
+            <a:avLst/>
+          </a:prstGeom>
+        </p:spPr>
+        <p:txBody>
+          <a:bodyPr wrap="square">
+            <a:spAutoFit/>
+          </a:bodyPr>
+          <a:p>
+            <a:pPr lvl="0">
+              <a:defRPr/>
+            </a:pPr>
+            <a:r>
+              <a:rPr lang="en-US" altLang="ko-KR" sz="1300"/>
+              <a:t>xlsx</a:t>
+            </a:r>
+            <a:r>
+              <a:rPr lang="ko-KR" altLang="en-US" sz="1300"/>
+              <a:t>파일에서 필요한 데이터를 가공하여 </a:t>
+            </a:r>
+            <a:r>
+              <a:rPr lang="en-US" altLang="ko-KR" sz="1300"/>
+              <a:t>json</a:t>
+            </a:r>
+            <a:r>
+              <a:rPr lang="ko-KR" altLang="en-US" sz="1300"/>
+              <a:t>파일로 저장합니다</a:t>
+            </a:r>
+            <a:r>
+              <a:rPr lang="en-US" altLang="ko-KR" sz="1300"/>
+              <a:t>.</a:t>
+            </a:r>
+            <a:r>
+              <a:rPr lang="ko-KR" altLang="en-US" sz="1300"/>
+              <a:t> </a:t>
+            </a:r>
+            <a:endParaRPr lang="ko-KR" altLang="en-US" sz="1300"/>
+          </a:p>
+          <a:p>
+            <a:pPr lvl="0">
+              <a:defRPr/>
+            </a:pPr>
+            <a:endParaRPr lang="ko-KR" altLang="en-US" sz="1300"/>
+          </a:p>
+          <a:p>
+            <a:pPr lvl="0">
+              <a:defRPr/>
+            </a:pPr>
+            <a:r>
+              <a:rPr lang="ko-KR" altLang="en-US" sz="1300"/>
+              <a:t>서버에서 </a:t>
+            </a:r>
+            <a:r>
+              <a:rPr lang="en-US" altLang="ko-KR" sz="1300"/>
+              <a:t>json</a:t>
+            </a:r>
+            <a:r>
+              <a:rPr lang="ko-KR" altLang="en-US" sz="1300"/>
+              <a:t>파일을  읽어 클라이언트측에서 전송한 </a:t>
+            </a:r>
+            <a:r>
+              <a:rPr lang="en-US" altLang="ko-KR" sz="1300"/>
+              <a:t>sessionLocCode</a:t>
+            </a:r>
+            <a:r>
+              <a:rPr lang="ko-KR" altLang="en-US" sz="1300"/>
+              <a:t>를 사용하여 필요한 데이터를 조회합니다</a:t>
+            </a:r>
+            <a:r>
+              <a:rPr lang="en-US" altLang="ko-KR" sz="1300"/>
+              <a:t>.</a:t>
+            </a:r>
+            <a:r>
+              <a:rPr lang="ko-KR" altLang="en-US" sz="1300"/>
+              <a:t> </a:t>
+            </a:r>
+            <a:endParaRPr lang="ko-KR" altLang="en-US" sz="1300"/>
+          </a:p>
+        </p:txBody>
+      </p:sp>
+      <p:sp>
+        <p:nvSpPr>
+          <p:cNvPr id="17" name="직사각형 16"/>
+          <p:cNvSpPr/>
+          <p:nvPr/>
+        </p:nvSpPr>
+        <p:spPr>
+          <a:xfrm>
+            <a:off x="8552211" y="434412"/>
+            <a:ext cx="2162016" cy="365899"/>
+          </a:xfrm>
+          <a:prstGeom prst="rect">
+            <a:avLst/>
+          </a:prstGeom>
+        </p:spPr>
+        <p:txBody>
+          <a:bodyPr wrap="square">
+            <a:spAutoFit/>
+          </a:bodyPr>
+          <a:lstStyle/>
+          <a:p>
+            <a:pPr lvl="0">
+              <a:defRPr/>
+            </a:pPr>
+            <a:r>
+              <a:rPr lang="en-US" altLang="ko-KR"/>
+              <a:t>ApiController</a:t>
+            </a:r>
+            <a:r>
+              <a:rPr lang="ko-KR" altLang="en-US"/>
+              <a:t>.j</a:t>
+            </a:r>
+            <a:r>
+              <a:rPr lang="en-US" altLang="ko-KR"/>
+              <a:t>ava</a:t>
+            </a:r>
+            <a:endParaRPr lang="en-US" altLang="ko-KR"/>
+          </a:p>
+        </p:txBody>
+      </p:sp>
       <p:pic>
         <p:nvPicPr>
-          <p:cNvPr id="16" name="그림 15"/>
+          <p:cNvPr id="18" name="그림 17"/>
           <p:cNvPicPr>
             <a:picLocks noChangeAspect="1"/>
           </p:cNvPicPr>
@@ -4329,8 +4452,8 @@
         </p:blipFill>
         <p:spPr>
           <a:xfrm>
-            <a:off x="9525" y="0"/>
-            <a:ext cx="8177212" cy="5053012"/>
+            <a:off x="0" y="0"/>
+            <a:ext cx="8210550" cy="5381625"/>
           </a:xfrm>
           <a:prstGeom prst="rect">
             <a:avLst/>
@@ -4362,137 +4485,6 @@
           </a:prstGeom>
         </p:spPr>
       </p:pic>
-      <p:sp>
-        <p:nvSpPr>
-          <p:cNvPr id="5" name="가로 글상자 4"/>
-          <p:cNvSpPr txBox="1"/>
-          <p:nvPr/>
-        </p:nvSpPr>
-        <p:spPr>
-          <a:xfrm>
-            <a:off x="8250510" y="4250763"/>
-            <a:ext cx="3856772" cy="1281357"/>
-          </a:xfrm>
-          <a:prstGeom prst="rect">
-            <a:avLst/>
-          </a:prstGeom>
-        </p:spPr>
-        <p:txBody>
-          <a:bodyPr wrap="square">
-            <a:spAutoFit/>
-          </a:bodyPr>
-          <a:p>
-            <a:pPr lvl="0">
-              <a:defRPr/>
-            </a:pPr>
-            <a:r>
-              <a:rPr lang="en-US" altLang="ko-KR" sz="1300"/>
-              <a:t>xlsx</a:t>
-            </a:r>
-            <a:r>
-              <a:rPr lang="ko-KR" altLang="en-US" sz="1300"/>
-              <a:t>파일에서 필요한 데이터를 가공하여 </a:t>
-            </a:r>
-            <a:r>
-              <a:rPr lang="en-US" altLang="ko-KR" sz="1300"/>
-              <a:t>json</a:t>
-            </a:r>
-            <a:r>
-              <a:rPr lang="ko-KR" altLang="en-US" sz="1300"/>
-              <a:t>파일로 저장합니다</a:t>
-            </a:r>
-            <a:r>
-              <a:rPr lang="en-US" altLang="ko-KR" sz="1300"/>
-              <a:t>.</a:t>
-            </a:r>
-            <a:r>
-              <a:rPr lang="ko-KR" altLang="en-US" sz="1300"/>
-              <a:t> </a:t>
-            </a:r>
-            <a:endParaRPr lang="ko-KR" altLang="en-US" sz="1300"/>
-          </a:p>
-          <a:p>
-            <a:pPr lvl="0">
-              <a:defRPr/>
-            </a:pPr>
-            <a:endParaRPr lang="ko-KR" altLang="en-US" sz="1300"/>
-          </a:p>
-          <a:p>
-            <a:pPr lvl="0">
-              <a:defRPr/>
-            </a:pPr>
-            <a:r>
-              <a:rPr lang="ko-KR" altLang="en-US" sz="1300"/>
-              <a:t>서버에서 </a:t>
-            </a:r>
-            <a:r>
-              <a:rPr lang="en-US" altLang="ko-KR" sz="1300"/>
-              <a:t>json</a:t>
-            </a:r>
-            <a:r>
-              <a:rPr lang="ko-KR" altLang="en-US" sz="1300"/>
-              <a:t>파일을  읽어 클라이언트측에서 전송한 </a:t>
-            </a:r>
-            <a:r>
-              <a:rPr lang="en-US" altLang="ko-KR" sz="1300"/>
-              <a:t>sessionLocCode</a:t>
-            </a:r>
-            <a:r>
-              <a:rPr lang="ko-KR" altLang="en-US" sz="1300"/>
-              <a:t>를 사용하여 필요한 데이터를 조회합니다</a:t>
-            </a:r>
-            <a:r>
-              <a:rPr lang="en-US" altLang="ko-KR" sz="1300"/>
-              <a:t>.</a:t>
-            </a:r>
-            <a:r>
-              <a:rPr lang="ko-KR" altLang="en-US" sz="1300"/>
-              <a:t> </a:t>
-            </a:r>
-            <a:endParaRPr lang="ko-KR" altLang="en-US" sz="1300"/>
-          </a:p>
-        </p:txBody>
-      </p:sp>
-      <p:sp>
-        <p:nvSpPr>
-          <p:cNvPr id="17" name="직사각형 16"/>
-          <p:cNvSpPr/>
-          <p:nvPr/>
-        </p:nvSpPr>
-        <p:spPr>
-          <a:xfrm>
-            <a:off x="8552211" y="434412"/>
-            <a:ext cx="2162016" cy="365899"/>
-          </a:xfrm>
-          <a:prstGeom prst="rect">
-            <a:avLst/>
-          </a:prstGeom>
-        </p:spPr>
-        <p:txBody>
-          <a:bodyPr wrap="square">
-            <a:spAutoFit/>
-          </a:bodyPr>
-          <a:lstStyle/>
-          <a:p>
-            <a:pPr lvl="0">
-              <a:defRPr/>
-            </a:pPr>
-            <a:r>
-              <a:rPr lang="en-US" altLang="ko-KR"/>
-              <a:t>ApiController</a:t>
-            </a:r>
-            <a:r>
-              <a:rPr lang="ko-KR" altLang="en-US"/>
-              <a:t>.j</a:t>
-            </a:r>
-            <a:r>
-              <a:rPr lang="en-US" altLang="ko-KR"/>
-              <a:t>ava</a:t>
-            </a:r>
-            <a:endParaRPr lang="en-US" altLang="ko-KR"/>
-          </a:p>
-        </p:txBody>
-      </p:sp>
     </p:spTree>
     <p:extLst>
       <p:ext uri="{BB962C8B-B14F-4D97-AF65-F5344CB8AC3E}">
@@ -4745,7 +4737,7 @@
       </p:grpSpPr>
       <p:pic>
         <p:nvPicPr>
-          <p:cNvPr id="15" name="그림 14"/>
+          <p:cNvPr id="17" name="그림 16"/>
           <p:cNvPicPr>
             <a:picLocks noChangeAspect="1"/>
           </p:cNvPicPr>
@@ -4759,8 +4751,8 @@
         </p:blipFill>
         <p:spPr>
           <a:xfrm>
-            <a:off x="584581" y="1021556"/>
-            <a:ext cx="9753600" cy="4814887"/>
+            <a:off x="547192" y="954194"/>
+            <a:ext cx="9753600" cy="5276850"/>
           </a:xfrm>
           <a:prstGeom prst="rect">
             <a:avLst/>
@@ -4775,7 +4767,7 @@
         </p:nvSpPr>
         <p:spPr>
           <a:xfrm>
-            <a:off x="6221047" y="1629177"/>
+            <a:off x="5736031" y="2166784"/>
             <a:ext cx="5780448" cy="1080095"/>
           </a:xfrm>
           <a:prstGeom prst="rect">
@@ -4814,7 +4806,7 @@
               <a:rPr lang="en-US" altLang="ko-KR" sz="1300"/>
               <a:t>~~~</a:t>
             </a:r>
-            <a:endParaRPr lang="ko-KR" altLang="en-US" sz="1300"/>
+            <a:endParaRPr lang="en-US" altLang="ko-KR" sz="1300"/>
           </a:p>
           <a:p>
             <a:pPr lvl="0">
